--- a/figure.pptx
+++ b/figure.pptx
@@ -5,10 +5,11 @@
     <p:sldMasterId id="2147483648" r:id="rId1"/>
   </p:sldMasterIdLst>
   <p:notesMasterIdLst>
-    <p:notesMasterId r:id="rId3"/>
+    <p:notesMasterId r:id="rId4"/>
   </p:notesMasterIdLst>
   <p:sldIdLst>
     <p:sldId id="256" r:id="rId2"/>
+    <p:sldId id="257" r:id="rId3"/>
   </p:sldIdLst>
   <p:sldSz cx="12192000" cy="6858000"/>
   <p:notesSz cx="6858000" cy="9144000"/>
@@ -107,6 +108,11 @@
       </a:defRPr>
     </a:lvl9pPr>
   </p:defaultTextStyle>
+  <p:extLst>
+    <p:ext uri="{EFAFB233-063F-42B5-8137-9DF3F51BA10A}">
+      <p15:sldGuideLst xmlns:p15="http://schemas.microsoft.com/office/powerpoint/2012/main"/>
+    </p:ext>
+  </p:extLst>
 </p:presentation>
 </file>
 
@@ -192,7 +198,7 @@
           <a:p>
             <a:fld id="{F668319C-0ACB-1D44-AB1A-BED114AB54B1}" type="datetimeFigureOut">
               <a:rPr lang="en-US" smtClean="0"/>
-              <a:t>12/24/20</a:t>
+              <a:t>12/26/20</a:t>
             </a:fld>
             <a:endParaRPr lang="en-US"/>
           </a:p>
@@ -543,6 +549,90 @@
 </p:notes>
 </file>
 
+<file path=ppt/notesSlides/notesSlide2.xml><?xml version="1.0" encoding="utf-8"?>
+<p:notes xmlns:a="http://schemas.openxmlformats.org/drawingml/2006/main" xmlns:r="http://schemas.openxmlformats.org/officeDocument/2006/relationships" xmlns:p="http://schemas.openxmlformats.org/presentationml/2006/main">
+  <p:cSld>
+    <p:spTree>
+      <p:nvGrpSpPr>
+        <p:cNvPr id="1" name=""/>
+        <p:cNvGrpSpPr/>
+        <p:nvPr/>
+      </p:nvGrpSpPr>
+      <p:grpSpPr>
+        <a:xfrm>
+          <a:off x="0" y="0"/>
+          <a:ext cx="0" cy="0"/>
+          <a:chOff x="0" y="0"/>
+          <a:chExt cx="0" cy="0"/>
+        </a:xfrm>
+      </p:grpSpPr>
+      <p:sp>
+        <p:nvSpPr>
+          <p:cNvPr id="2" name="Slide Image Placeholder 1"/>
+          <p:cNvSpPr>
+            <a:spLocks noGrp="1" noRot="1" noChangeAspect="1"/>
+          </p:cNvSpPr>
+          <p:nvPr>
+            <p:ph type="sldImg"/>
+          </p:nvPr>
+        </p:nvSpPr>
+        <p:spPr/>
+      </p:sp>
+      <p:sp>
+        <p:nvSpPr>
+          <p:cNvPr id="3" name="Notes Placeholder 2"/>
+          <p:cNvSpPr>
+            <a:spLocks noGrp="1"/>
+          </p:cNvSpPr>
+          <p:nvPr>
+            <p:ph type="body" idx="1"/>
+          </p:nvPr>
+        </p:nvSpPr>
+        <p:spPr/>
+        <p:txBody>
+          <a:bodyPr/>
+          <a:lstStyle/>
+          <a:p>
+            <a:endParaRPr lang="en-US" dirty="0"/>
+          </a:p>
+        </p:txBody>
+      </p:sp>
+      <p:sp>
+        <p:nvSpPr>
+          <p:cNvPr id="4" name="Slide Number Placeholder 3"/>
+          <p:cNvSpPr>
+            <a:spLocks noGrp="1"/>
+          </p:cNvSpPr>
+          <p:nvPr>
+            <p:ph type="sldNum" sz="quarter" idx="5"/>
+          </p:nvPr>
+        </p:nvSpPr>
+        <p:spPr/>
+        <p:txBody>
+          <a:bodyPr/>
+          <a:lstStyle/>
+          <a:p>
+            <a:fld id="{9CAC9F9E-B57F-5D4C-A98D-E57AF95DE5DD}" type="slidenum">
+              <a:rPr lang="en-US" smtClean="0"/>
+              <a:t>2</a:t>
+            </a:fld>
+            <a:endParaRPr lang="en-US"/>
+          </a:p>
+        </p:txBody>
+      </p:sp>
+    </p:spTree>
+    <p:extLst>
+      <p:ext uri="{BB962C8B-B14F-4D97-AF65-F5344CB8AC3E}">
+        <p14:creationId xmlns:p14="http://schemas.microsoft.com/office/powerpoint/2010/main" val="2472227012"/>
+      </p:ext>
+    </p:extLst>
+  </p:cSld>
+  <p:clrMapOvr>
+    <a:masterClrMapping/>
+  </p:clrMapOvr>
+</p:notes>
+</file>
+
 <file path=ppt/slideLayouts/slideLayout1.xml><?xml version="1.0" encoding="utf-8"?>
 <p:sldLayout xmlns:a="http://schemas.openxmlformats.org/drawingml/2006/main" xmlns:r="http://schemas.openxmlformats.org/officeDocument/2006/relationships" xmlns:p="http://schemas.openxmlformats.org/presentationml/2006/main" type="title" preserve="1">
   <p:cSld name="Title Slide">
@@ -690,7 +780,7 @@
           <a:p>
             <a:fld id="{4078BAE8-F8AB-BF43-BC02-5FB20AAB7C6B}" type="datetimeFigureOut">
               <a:rPr lang="en-US" smtClean="0"/>
-              <a:t>12/24/20</a:t>
+              <a:t>12/26/20</a:t>
             </a:fld>
             <a:endParaRPr lang="en-US"/>
           </a:p>
@@ -888,7 +978,7 @@
           <a:p>
             <a:fld id="{4078BAE8-F8AB-BF43-BC02-5FB20AAB7C6B}" type="datetimeFigureOut">
               <a:rPr lang="en-US" smtClean="0"/>
-              <a:t>12/24/20</a:t>
+              <a:t>12/26/20</a:t>
             </a:fld>
             <a:endParaRPr lang="en-US"/>
           </a:p>
@@ -1096,7 +1186,7 @@
           <a:p>
             <a:fld id="{4078BAE8-F8AB-BF43-BC02-5FB20AAB7C6B}" type="datetimeFigureOut">
               <a:rPr lang="en-US" smtClean="0"/>
-              <a:t>12/24/20</a:t>
+              <a:t>12/26/20</a:t>
             </a:fld>
             <a:endParaRPr lang="en-US"/>
           </a:p>
@@ -1294,7 +1384,7 @@
           <a:p>
             <a:fld id="{4078BAE8-F8AB-BF43-BC02-5FB20AAB7C6B}" type="datetimeFigureOut">
               <a:rPr lang="en-US" smtClean="0"/>
-              <a:t>12/24/20</a:t>
+              <a:t>12/26/20</a:t>
             </a:fld>
             <a:endParaRPr lang="en-US"/>
           </a:p>
@@ -1569,7 +1659,7 @@
           <a:p>
             <a:fld id="{4078BAE8-F8AB-BF43-BC02-5FB20AAB7C6B}" type="datetimeFigureOut">
               <a:rPr lang="en-US" smtClean="0"/>
-              <a:t>12/24/20</a:t>
+              <a:t>12/26/20</a:t>
             </a:fld>
             <a:endParaRPr lang="en-US"/>
           </a:p>
@@ -1834,7 +1924,7 @@
           <a:p>
             <a:fld id="{4078BAE8-F8AB-BF43-BC02-5FB20AAB7C6B}" type="datetimeFigureOut">
               <a:rPr lang="en-US" smtClean="0"/>
-              <a:t>12/24/20</a:t>
+              <a:t>12/26/20</a:t>
             </a:fld>
             <a:endParaRPr lang="en-US"/>
           </a:p>
@@ -2246,7 +2336,7 @@
           <a:p>
             <a:fld id="{4078BAE8-F8AB-BF43-BC02-5FB20AAB7C6B}" type="datetimeFigureOut">
               <a:rPr lang="en-US" smtClean="0"/>
-              <a:t>12/24/20</a:t>
+              <a:t>12/26/20</a:t>
             </a:fld>
             <a:endParaRPr lang="en-US"/>
           </a:p>
@@ -2387,7 +2477,7 @@
           <a:p>
             <a:fld id="{4078BAE8-F8AB-BF43-BC02-5FB20AAB7C6B}" type="datetimeFigureOut">
               <a:rPr lang="en-US" smtClean="0"/>
-              <a:t>12/24/20</a:t>
+              <a:t>12/26/20</a:t>
             </a:fld>
             <a:endParaRPr lang="en-US"/>
           </a:p>
@@ -2500,7 +2590,7 @@
           <a:p>
             <a:fld id="{4078BAE8-F8AB-BF43-BC02-5FB20AAB7C6B}" type="datetimeFigureOut">
               <a:rPr lang="en-US" smtClean="0"/>
-              <a:t>12/24/20</a:t>
+              <a:t>12/26/20</a:t>
             </a:fld>
             <a:endParaRPr lang="en-US"/>
           </a:p>
@@ -2811,7 +2901,7 @@
           <a:p>
             <a:fld id="{4078BAE8-F8AB-BF43-BC02-5FB20AAB7C6B}" type="datetimeFigureOut">
               <a:rPr lang="en-US" smtClean="0"/>
-              <a:t>12/24/20</a:t>
+              <a:t>12/26/20</a:t>
             </a:fld>
             <a:endParaRPr lang="en-US"/>
           </a:p>
@@ -3099,7 +3189,7 @@
           <a:p>
             <a:fld id="{4078BAE8-F8AB-BF43-BC02-5FB20AAB7C6B}" type="datetimeFigureOut">
               <a:rPr lang="en-US" smtClean="0"/>
-              <a:t>12/24/20</a:t>
+              <a:t>12/26/20</a:t>
             </a:fld>
             <a:endParaRPr lang="en-US"/>
           </a:p>
@@ -3340,7 +3430,7 @@
           <a:p>
             <a:fld id="{4078BAE8-F8AB-BF43-BC02-5FB20AAB7C6B}" type="datetimeFigureOut">
               <a:rPr lang="en-US" smtClean="0"/>
-              <a:t>12/24/20</a:t>
+              <a:t>12/26/20</a:t>
             </a:fld>
             <a:endParaRPr lang="en-US"/>
           </a:p>
@@ -3773,8 +3863,8 @@
         </p:nvCxnSpPr>
         <p:spPr>
           <a:xfrm>
-            <a:off x="2216465" y="5274792"/>
-            <a:ext cx="8416701" cy="0"/>
+            <a:off x="2216465" y="4105749"/>
+            <a:ext cx="9184598" cy="0"/>
           </a:xfrm>
           <a:prstGeom prst="line">
             <a:avLst/>
@@ -3814,7 +3904,7 @@
         </p:nvSpPr>
         <p:spPr>
           <a:xfrm>
-            <a:off x="618796" y="5120903"/>
+            <a:off x="618796" y="3951860"/>
             <a:ext cx="1228221" cy="307777"/>
           </a:xfrm>
           <a:prstGeom prst="rect">
@@ -3850,7 +3940,7 @@
         </p:nvSpPr>
         <p:spPr>
           <a:xfrm>
-            <a:off x="3094553" y="5090126"/>
+            <a:off x="3094553" y="3921083"/>
             <a:ext cx="213086" cy="369332"/>
           </a:xfrm>
           <a:prstGeom prst="rect">
@@ -3905,7 +3995,7 @@
         </p:nvSpPr>
         <p:spPr>
           <a:xfrm>
-            <a:off x="4070543" y="5090126"/>
+            <a:off x="4697567" y="3921083"/>
             <a:ext cx="213086" cy="369332"/>
           </a:xfrm>
           <a:prstGeom prst="rect">
@@ -3960,7 +4050,7 @@
         </p:nvSpPr>
         <p:spPr>
           <a:xfrm>
-            <a:off x="4457607" y="5090126"/>
+            <a:off x="5084631" y="3921083"/>
             <a:ext cx="213086" cy="369332"/>
           </a:xfrm>
           <a:prstGeom prst="rect">
@@ -4015,7 +4105,7 @@
         </p:nvSpPr>
         <p:spPr>
           <a:xfrm>
-            <a:off x="4975302" y="5090126"/>
+            <a:off x="5432507" y="3921083"/>
             <a:ext cx="213086" cy="369332"/>
           </a:xfrm>
           <a:prstGeom prst="rect">
@@ -4070,7 +4160,7 @@
         </p:nvSpPr>
         <p:spPr>
           <a:xfrm>
-            <a:off x="5389177" y="5090126"/>
+            <a:off x="5846382" y="3921083"/>
             <a:ext cx="213086" cy="369332"/>
           </a:xfrm>
           <a:prstGeom prst="rect">
@@ -4125,7 +4215,7 @@
         </p:nvSpPr>
         <p:spPr>
           <a:xfrm>
-            <a:off x="5724976" y="5090126"/>
+            <a:off x="6182181" y="3921083"/>
             <a:ext cx="213086" cy="369332"/>
           </a:xfrm>
           <a:prstGeom prst="rect">
@@ -4180,7 +4270,7 @@
         </p:nvSpPr>
         <p:spPr>
           <a:xfrm>
-            <a:off x="6198596" y="5090126"/>
+            <a:off x="6655801" y="3921083"/>
             <a:ext cx="213086" cy="369332"/>
           </a:xfrm>
           <a:prstGeom prst="rect">
@@ -4235,7 +4325,7 @@
         </p:nvSpPr>
         <p:spPr>
           <a:xfrm>
-            <a:off x="6665932" y="5090126"/>
+            <a:off x="7123137" y="3921083"/>
             <a:ext cx="213086" cy="369332"/>
           </a:xfrm>
           <a:prstGeom prst="rect">
@@ -4290,7 +4380,7 @@
         </p:nvSpPr>
         <p:spPr>
           <a:xfrm>
-            <a:off x="7120880" y="5090126"/>
+            <a:off x="7578085" y="3921083"/>
             <a:ext cx="365760" cy="369332"/>
           </a:xfrm>
           <a:prstGeom prst="rect">
@@ -4345,7 +4435,7 @@
         </p:nvSpPr>
         <p:spPr>
           <a:xfrm>
-            <a:off x="7817608" y="5090126"/>
+            <a:off x="8039679" y="3921083"/>
             <a:ext cx="365760" cy="369332"/>
           </a:xfrm>
           <a:prstGeom prst="rect">
@@ -4400,7 +4490,7 @@
         </p:nvSpPr>
         <p:spPr>
           <a:xfrm>
-            <a:off x="8358936" y="5090126"/>
+            <a:off x="8581007" y="3921083"/>
             <a:ext cx="365760" cy="369332"/>
           </a:xfrm>
           <a:prstGeom prst="rect">
@@ -4455,7 +4545,7 @@
         </p:nvSpPr>
         <p:spPr>
           <a:xfrm>
-            <a:off x="8814586" y="5090126"/>
+            <a:off x="9036657" y="3921083"/>
             <a:ext cx="365760" cy="369332"/>
           </a:xfrm>
           <a:prstGeom prst="rect">
@@ -4510,7 +4600,7 @@
         </p:nvSpPr>
         <p:spPr>
           <a:xfrm>
-            <a:off x="9289696" y="5090126"/>
+            <a:off x="9511767" y="3921083"/>
             <a:ext cx="365760" cy="369332"/>
           </a:xfrm>
           <a:prstGeom prst="rect">
@@ -4565,7 +4655,7 @@
         </p:nvSpPr>
         <p:spPr>
           <a:xfrm>
-            <a:off x="9962357" y="5090126"/>
+            <a:off x="9962357" y="3921083"/>
             <a:ext cx="365760" cy="369332"/>
           </a:xfrm>
           <a:prstGeom prst="rect">
@@ -4620,7 +4710,7 @@
         </p:nvGrpSpPr>
         <p:grpSpPr>
           <a:xfrm>
-            <a:off x="3522121" y="5090126"/>
+            <a:off x="4175264" y="3921083"/>
             <a:ext cx="422065" cy="369332"/>
             <a:chOff x="3391491" y="4439886"/>
             <a:chExt cx="422065" cy="369332"/>
@@ -4788,7 +4878,7 @@
         </p:nvSpPr>
         <p:spPr>
           <a:xfrm>
-            <a:off x="3094553" y="3425795"/>
+            <a:off x="3094553" y="2256752"/>
             <a:ext cx="213086" cy="369332"/>
           </a:xfrm>
           <a:prstGeom prst="rect">
@@ -4843,7 +4933,7 @@
         </p:nvSpPr>
         <p:spPr>
           <a:xfrm>
-            <a:off x="3723095" y="3425795"/>
+            <a:off x="3723095" y="2256752"/>
             <a:ext cx="213086" cy="369332"/>
           </a:xfrm>
           <a:prstGeom prst="rect">
@@ -4898,7 +4988,7 @@
         </p:nvSpPr>
         <p:spPr>
           <a:xfrm>
-            <a:off x="3930033" y="3425795"/>
+            <a:off x="3930033" y="2256752"/>
             <a:ext cx="213086" cy="369332"/>
           </a:xfrm>
           <a:prstGeom prst="rect">
@@ -4953,7 +5043,7 @@
         </p:nvSpPr>
         <p:spPr>
           <a:xfrm>
-            <a:off x="4136970" y="3425795"/>
+            <a:off x="4136970" y="2256752"/>
             <a:ext cx="213086" cy="369332"/>
           </a:xfrm>
           <a:prstGeom prst="rect">
@@ -5008,7 +5098,7 @@
         </p:nvSpPr>
         <p:spPr>
           <a:xfrm>
-            <a:off x="4334952" y="3425795"/>
+            <a:off x="4334952" y="2256752"/>
             <a:ext cx="213086" cy="369332"/>
           </a:xfrm>
           <a:prstGeom prst="rect">
@@ -5063,7 +5153,7 @@
         </p:nvSpPr>
         <p:spPr>
           <a:xfrm>
-            <a:off x="4550845" y="3425795"/>
+            <a:off x="4547212" y="2256752"/>
             <a:ext cx="213086" cy="369332"/>
           </a:xfrm>
           <a:prstGeom prst="rect">
@@ -5118,7 +5208,7 @@
         </p:nvSpPr>
         <p:spPr>
           <a:xfrm>
-            <a:off x="4763931" y="3425795"/>
+            <a:off x="4760298" y="2256752"/>
             <a:ext cx="213086" cy="369332"/>
           </a:xfrm>
           <a:prstGeom prst="rect">
@@ -5173,7 +5263,7 @@
         </p:nvSpPr>
         <p:spPr>
           <a:xfrm>
-            <a:off x="4947523" y="3425795"/>
+            <a:off x="4943890" y="2256752"/>
             <a:ext cx="213086" cy="369332"/>
           </a:xfrm>
           <a:prstGeom prst="rect">
@@ -5228,7 +5318,7 @@
         </p:nvSpPr>
         <p:spPr>
           <a:xfrm>
-            <a:off x="5152585" y="3425795"/>
+            <a:off x="5148952" y="2256752"/>
             <a:ext cx="365760" cy="369332"/>
           </a:xfrm>
           <a:prstGeom prst="rect">
@@ -5283,7 +5373,7 @@
         </p:nvSpPr>
         <p:spPr>
           <a:xfrm>
-            <a:off x="5499358" y="3425795"/>
+            <a:off x="5495725" y="2256752"/>
             <a:ext cx="365760" cy="369332"/>
           </a:xfrm>
           <a:prstGeom prst="rect">
@@ -5338,7 +5428,7 @@
         </p:nvSpPr>
         <p:spPr>
           <a:xfrm>
-            <a:off x="5857806" y="3425795"/>
+            <a:off x="5854173" y="2256752"/>
             <a:ext cx="365760" cy="369332"/>
           </a:xfrm>
           <a:prstGeom prst="rect">
@@ -5393,7 +5483,7 @@
         </p:nvSpPr>
         <p:spPr>
           <a:xfrm>
-            <a:off x="6223566" y="3425795"/>
+            <a:off x="6219933" y="2256752"/>
             <a:ext cx="365760" cy="369332"/>
           </a:xfrm>
           <a:prstGeom prst="rect">
@@ -5448,7 +5538,7 @@
         </p:nvSpPr>
         <p:spPr>
           <a:xfrm>
-            <a:off x="6589326" y="3425795"/>
+            <a:off x="6585693" y="2256752"/>
             <a:ext cx="365760" cy="369332"/>
           </a:xfrm>
           <a:prstGeom prst="rect">
@@ -5503,7 +5593,7 @@
         </p:nvSpPr>
         <p:spPr>
           <a:xfrm>
-            <a:off x="6955086" y="3425795"/>
+            <a:off x="6951453" y="2256752"/>
             <a:ext cx="365760" cy="369332"/>
           </a:xfrm>
           <a:prstGeom prst="rect">
@@ -5558,7 +5648,7 @@
         </p:nvSpPr>
         <p:spPr>
           <a:xfrm>
-            <a:off x="3307179" y="3425795"/>
+            <a:off x="3307179" y="2256752"/>
             <a:ext cx="213086" cy="369332"/>
           </a:xfrm>
           <a:prstGeom prst="rect">
@@ -5613,7 +5703,7 @@
         </p:nvSpPr>
         <p:spPr>
           <a:xfrm>
-            <a:off x="3516158" y="3425795"/>
+            <a:off x="3516158" y="2256752"/>
             <a:ext cx="213086" cy="369332"/>
           </a:xfrm>
           <a:prstGeom prst="rect">
@@ -5665,7 +5755,7 @@
         </p:nvSpPr>
         <p:spPr>
           <a:xfrm>
-            <a:off x="618795" y="3456572"/>
+            <a:off x="618795" y="2287529"/>
             <a:ext cx="1228221" cy="307777"/>
           </a:xfrm>
           <a:prstGeom prst="rect">
@@ -5703,7 +5793,7 @@
         </p:nvCxnSpPr>
         <p:spPr>
           <a:xfrm flipV="1">
-            <a:off x="2216465" y="5281658"/>
+            <a:off x="2216465" y="4112615"/>
             <a:ext cx="0" cy="590822"/>
           </a:xfrm>
           <a:prstGeom prst="straightConnector1">
@@ -5745,7 +5835,7 @@
         </p:nvSpPr>
         <p:spPr>
           <a:xfrm>
-            <a:off x="1624586" y="5865467"/>
+            <a:off x="1624586" y="4696424"/>
             <a:ext cx="638060" cy="276999"/>
           </a:xfrm>
           <a:prstGeom prst="rect">
@@ -5783,7 +5873,7 @@
         </p:nvCxnSpPr>
         <p:spPr>
           <a:xfrm flipV="1">
-            <a:off x="3743009" y="5473834"/>
+            <a:off x="4396152" y="4304791"/>
             <a:ext cx="0" cy="590822"/>
           </a:xfrm>
           <a:prstGeom prst="straightConnector1">
@@ -5825,7 +5915,7 @@
         </p:nvSpPr>
         <p:spPr>
           <a:xfrm>
-            <a:off x="3629430" y="6085778"/>
+            <a:off x="4282573" y="4916735"/>
             <a:ext cx="670376" cy="461665"/>
           </a:xfrm>
           <a:prstGeom prst="rect">
@@ -5870,7 +5960,7 @@
         </p:nvCxnSpPr>
         <p:spPr>
           <a:xfrm flipH="1">
-            <a:off x="3096248" y="3802291"/>
+            <a:off x="3096248" y="2633248"/>
             <a:ext cx="2807" cy="1288134"/>
           </a:xfrm>
           <a:prstGeom prst="line">
@@ -5908,8 +5998,8 @@
         </p:nvCxnSpPr>
         <p:spPr>
           <a:xfrm>
-            <a:off x="7320846" y="3795127"/>
-            <a:ext cx="2992976" cy="1291611"/>
+            <a:off x="7525919" y="2626084"/>
+            <a:ext cx="3015511" cy="1288134"/>
           </a:xfrm>
           <a:prstGeom prst="line">
             <a:avLst/>
@@ -5946,7 +6036,7 @@
         </p:nvCxnSpPr>
         <p:spPr>
           <a:xfrm>
-            <a:off x="3511172" y="2834455"/>
+            <a:off x="3511172" y="1665412"/>
             <a:ext cx="0" cy="527724"/>
           </a:xfrm>
           <a:prstGeom prst="straightConnector1">
@@ -5988,7 +6078,7 @@
         </p:nvSpPr>
         <p:spPr>
           <a:xfrm>
-            <a:off x="3370222" y="2337284"/>
+            <a:off x="3370222" y="1168241"/>
             <a:ext cx="663515" cy="461665"/>
           </a:xfrm>
           <a:prstGeom prst="rect">
@@ -6033,7 +6123,7 @@
         </p:nvCxnSpPr>
         <p:spPr>
           <a:xfrm>
-            <a:off x="3111890" y="2834455"/>
+            <a:off x="3111890" y="1665412"/>
             <a:ext cx="0" cy="546120"/>
           </a:xfrm>
           <a:prstGeom prst="straightConnector1">
@@ -6075,7 +6165,7 @@
         </p:nvSpPr>
         <p:spPr>
           <a:xfrm>
-            <a:off x="2543502" y="2569344"/>
+            <a:off x="2543502" y="1400301"/>
             <a:ext cx="638060" cy="276999"/>
           </a:xfrm>
           <a:prstGeom prst="rect">
@@ -6113,7 +6203,7 @@
         </p:nvCxnSpPr>
         <p:spPr>
           <a:xfrm flipV="1">
-            <a:off x="3116333" y="5491820"/>
+            <a:off x="3116333" y="4322777"/>
             <a:ext cx="0" cy="774661"/>
           </a:xfrm>
           <a:prstGeom prst="straightConnector1">
@@ -6155,7 +6245,7 @@
         </p:nvSpPr>
         <p:spPr>
           <a:xfrm>
-            <a:off x="2877302" y="6328700"/>
+            <a:off x="2877302" y="5159657"/>
             <a:ext cx="498855" cy="276999"/>
           </a:xfrm>
           <a:prstGeom prst="rect">
@@ -6193,8 +6283,8 @@
         </p:nvCxnSpPr>
         <p:spPr>
           <a:xfrm>
-            <a:off x="3513210" y="3795127"/>
-            <a:ext cx="214507" cy="1288134"/>
+            <a:off x="3513210" y="2626084"/>
+            <a:ext cx="1071520" cy="1288134"/>
           </a:xfrm>
           <a:prstGeom prst="line">
             <a:avLst/>
@@ -6215,10 +6305,1097 @@
           </a:fontRef>
         </p:style>
       </p:cxnSp>
+      <p:cxnSp>
+        <p:nvCxnSpPr>
+          <p:cNvPr id="52" name="Straight Connector 51">
+            <a:extLst>
+              <a:ext uri="{FF2B5EF4-FFF2-40B4-BE49-F238E27FC236}">
+                <a16:creationId xmlns:a16="http://schemas.microsoft.com/office/drawing/2014/main" id="{53C13653-980D-0B49-B665-B92E98C14950}"/>
+              </a:ext>
+            </a:extLst>
+          </p:cNvPr>
+          <p:cNvCxnSpPr>
+            <a:cxnSpLocks/>
+          </p:cNvCxnSpPr>
+          <p:nvPr/>
+        </p:nvCxnSpPr>
+        <p:spPr>
+          <a:xfrm>
+            <a:off x="3307179" y="2626084"/>
+            <a:ext cx="0" cy="1294999"/>
+          </a:xfrm>
+          <a:prstGeom prst="line">
+            <a:avLst/>
+          </a:prstGeom>
+        </p:spPr>
+        <p:style>
+          <a:lnRef idx="1">
+            <a:schemeClr val="accent1"/>
+          </a:lnRef>
+          <a:fillRef idx="0">
+            <a:schemeClr val="accent1"/>
+          </a:fillRef>
+          <a:effectRef idx="0">
+            <a:schemeClr val="accent1"/>
+          </a:effectRef>
+          <a:fontRef idx="minor">
+            <a:schemeClr val="tx1"/>
+          </a:fontRef>
+        </p:style>
+      </p:cxnSp>
+      <p:cxnSp>
+        <p:nvCxnSpPr>
+          <p:cNvPr id="55" name="Straight Connector 54">
+            <a:extLst>
+              <a:ext uri="{FF2B5EF4-FFF2-40B4-BE49-F238E27FC236}">
+                <a16:creationId xmlns:a16="http://schemas.microsoft.com/office/drawing/2014/main" id="{321BDB1E-A567-B94A-920C-3471B94358A8}"/>
+              </a:ext>
+            </a:extLst>
+          </p:cNvPr>
+          <p:cNvCxnSpPr>
+            <a:cxnSpLocks/>
+          </p:cNvCxnSpPr>
+          <p:nvPr/>
+        </p:nvCxnSpPr>
+        <p:spPr>
+          <a:xfrm>
+            <a:off x="3316959" y="2630005"/>
+            <a:ext cx="851288" cy="1284213"/>
+          </a:xfrm>
+          <a:prstGeom prst="line">
+            <a:avLst/>
+          </a:prstGeom>
+        </p:spPr>
+        <p:style>
+          <a:lnRef idx="1">
+            <a:schemeClr val="accent1"/>
+          </a:lnRef>
+          <a:fillRef idx="0">
+            <a:schemeClr val="accent1"/>
+          </a:fillRef>
+          <a:effectRef idx="0">
+            <a:schemeClr val="accent1"/>
+          </a:effectRef>
+          <a:fontRef idx="minor">
+            <a:schemeClr val="tx1"/>
+          </a:fontRef>
+        </p:style>
+      </p:cxnSp>
+      <p:sp>
+        <p:nvSpPr>
+          <p:cNvPr id="78" name="Rectangle 77">
+            <a:extLst>
+              <a:ext uri="{FF2B5EF4-FFF2-40B4-BE49-F238E27FC236}">
+                <a16:creationId xmlns:a16="http://schemas.microsoft.com/office/drawing/2014/main" id="{FEDB3236-B226-B841-8A75-79246A762D07}"/>
+              </a:ext>
+            </a:extLst>
+          </p:cNvPr>
+          <p:cNvSpPr/>
+          <p:nvPr/>
+        </p:nvSpPr>
+        <p:spPr>
+          <a:xfrm>
+            <a:off x="7303207" y="2256752"/>
+            <a:ext cx="213086" cy="369332"/>
+          </a:xfrm>
+          <a:prstGeom prst="rect">
+            <a:avLst/>
+          </a:prstGeom>
+          <a:solidFill>
+            <a:srgbClr val="FFC000"/>
+          </a:solidFill>
+          <a:ln>
+            <a:noFill/>
+          </a:ln>
+        </p:spPr>
+        <p:style>
+          <a:lnRef idx="2">
+            <a:schemeClr val="accent1">
+              <a:shade val="50000"/>
+            </a:schemeClr>
+          </a:lnRef>
+          <a:fillRef idx="1">
+            <a:schemeClr val="accent1"/>
+          </a:fillRef>
+          <a:effectRef idx="0">
+            <a:schemeClr val="accent1"/>
+          </a:effectRef>
+          <a:fontRef idx="minor">
+            <a:schemeClr val="lt1"/>
+          </a:fontRef>
+        </p:style>
+        <p:txBody>
+          <a:bodyPr rtlCol="0" anchor="ctr"/>
+          <a:lstStyle/>
+          <a:p>
+            <a:pPr algn="ctr"/>
+            <a:endParaRPr lang="en-US" sz="1000" dirty="0"/>
+          </a:p>
+        </p:txBody>
+      </p:sp>
+      <p:sp>
+        <p:nvSpPr>
+          <p:cNvPr id="79" name="Rectangle 78">
+            <a:extLst>
+              <a:ext uri="{FF2B5EF4-FFF2-40B4-BE49-F238E27FC236}">
+                <a16:creationId xmlns:a16="http://schemas.microsoft.com/office/drawing/2014/main" id="{55E857F1-2571-6642-8E66-FFE0F44C106C}"/>
+              </a:ext>
+            </a:extLst>
+          </p:cNvPr>
+          <p:cNvSpPr/>
+          <p:nvPr/>
+        </p:nvSpPr>
+        <p:spPr>
+          <a:xfrm>
+            <a:off x="10328117" y="3921082"/>
+            <a:ext cx="213086" cy="369332"/>
+          </a:xfrm>
+          <a:prstGeom prst="rect">
+            <a:avLst/>
+          </a:prstGeom>
+          <a:solidFill>
+            <a:srgbClr val="FFC000"/>
+          </a:solidFill>
+          <a:ln>
+            <a:noFill/>
+          </a:ln>
+        </p:spPr>
+        <p:style>
+          <a:lnRef idx="2">
+            <a:schemeClr val="accent1">
+              <a:shade val="50000"/>
+            </a:schemeClr>
+          </a:lnRef>
+          <a:fillRef idx="1">
+            <a:schemeClr val="accent1"/>
+          </a:fillRef>
+          <a:effectRef idx="0">
+            <a:schemeClr val="accent1"/>
+          </a:effectRef>
+          <a:fontRef idx="minor">
+            <a:schemeClr val="lt1"/>
+          </a:fontRef>
+        </p:style>
+        <p:txBody>
+          <a:bodyPr rtlCol="0" anchor="ctr"/>
+          <a:lstStyle/>
+          <a:p>
+            <a:pPr algn="ctr"/>
+            <a:endParaRPr lang="en-US" sz="1000" dirty="0"/>
+          </a:p>
+        </p:txBody>
+      </p:sp>
+      <p:sp>
+        <p:nvSpPr>
+          <p:cNvPr id="81" name="Rectangle 80">
+            <a:extLst>
+              <a:ext uri="{FF2B5EF4-FFF2-40B4-BE49-F238E27FC236}">
+                <a16:creationId xmlns:a16="http://schemas.microsoft.com/office/drawing/2014/main" id="{3A19E49E-8D94-2E49-8BC3-A2EBF465739B}"/>
+              </a:ext>
+            </a:extLst>
+          </p:cNvPr>
+          <p:cNvSpPr/>
+          <p:nvPr/>
+        </p:nvSpPr>
+        <p:spPr>
+          <a:xfrm>
+            <a:off x="2216465" y="5645121"/>
+            <a:ext cx="878088" cy="369332"/>
+          </a:xfrm>
+          <a:prstGeom prst="rect">
+            <a:avLst/>
+          </a:prstGeom>
+          <a:solidFill>
+            <a:schemeClr val="bg1">
+              <a:lumMod val="85000"/>
+            </a:schemeClr>
+          </a:solidFill>
+          <a:ln>
+            <a:noFill/>
+          </a:ln>
+        </p:spPr>
+        <p:style>
+          <a:lnRef idx="2">
+            <a:schemeClr val="accent1">
+              <a:shade val="50000"/>
+            </a:schemeClr>
+          </a:lnRef>
+          <a:fillRef idx="1">
+            <a:schemeClr val="accent1"/>
+          </a:fillRef>
+          <a:effectRef idx="0">
+            <a:schemeClr val="accent1"/>
+          </a:effectRef>
+          <a:fontRef idx="minor">
+            <a:schemeClr val="lt1"/>
+          </a:fontRef>
+        </p:style>
+        <p:txBody>
+          <a:bodyPr rtlCol="0" anchor="ctr"/>
+          <a:lstStyle/>
+          <a:p>
+            <a:pPr algn="ctr"/>
+            <a:r>
+              <a:rPr lang="en-US" sz="1000" dirty="0">
+                <a:solidFill>
+                  <a:schemeClr val="tx1"/>
+                </a:solidFill>
+              </a:rPr>
+              <a:t>Upstream</a:t>
+            </a:r>
+          </a:p>
+        </p:txBody>
+      </p:sp>
+      <p:sp>
+        <p:nvSpPr>
+          <p:cNvPr id="82" name="Rectangle 81">
+            <a:extLst>
+              <a:ext uri="{FF2B5EF4-FFF2-40B4-BE49-F238E27FC236}">
+                <a16:creationId xmlns:a16="http://schemas.microsoft.com/office/drawing/2014/main" id="{186E2CCD-DE64-594E-B7D5-CD3ACA44A2E9}"/>
+              </a:ext>
+            </a:extLst>
+          </p:cNvPr>
+          <p:cNvSpPr/>
+          <p:nvPr/>
+        </p:nvSpPr>
+        <p:spPr>
+          <a:xfrm>
+            <a:off x="10541203" y="5645121"/>
+            <a:ext cx="878088" cy="369332"/>
+          </a:xfrm>
+          <a:prstGeom prst="rect">
+            <a:avLst/>
+          </a:prstGeom>
+          <a:solidFill>
+            <a:schemeClr val="bg1">
+              <a:lumMod val="85000"/>
+            </a:schemeClr>
+          </a:solidFill>
+          <a:ln>
+            <a:noFill/>
+          </a:ln>
+        </p:spPr>
+        <p:style>
+          <a:lnRef idx="2">
+            <a:schemeClr val="accent1">
+              <a:shade val="50000"/>
+            </a:schemeClr>
+          </a:lnRef>
+          <a:fillRef idx="1">
+            <a:schemeClr val="accent1"/>
+          </a:fillRef>
+          <a:effectRef idx="0">
+            <a:schemeClr val="accent1"/>
+          </a:effectRef>
+          <a:fontRef idx="minor">
+            <a:schemeClr val="lt1"/>
+          </a:fontRef>
+        </p:style>
+        <p:txBody>
+          <a:bodyPr rtlCol="0" anchor="ctr"/>
+          <a:lstStyle/>
+          <a:p>
+            <a:pPr algn="ctr"/>
+            <a:r>
+              <a:rPr lang="en-US" sz="1000" dirty="0">
+                <a:solidFill>
+                  <a:schemeClr val="tx1"/>
+                </a:solidFill>
+              </a:rPr>
+              <a:t>Downstream</a:t>
+            </a:r>
+          </a:p>
+        </p:txBody>
+      </p:sp>
     </p:spTree>
     <p:extLst>
       <p:ext uri="{BB962C8B-B14F-4D97-AF65-F5344CB8AC3E}">
         <p14:creationId xmlns:p14="http://schemas.microsoft.com/office/powerpoint/2010/main" val="2909694187"/>
+      </p:ext>
+    </p:extLst>
+  </p:cSld>
+  <p:clrMapOvr>
+    <a:masterClrMapping/>
+  </p:clrMapOvr>
+</p:sld>
+</file>
+
+<file path=ppt/slides/slide2.xml><?xml version="1.0" encoding="utf-8"?>
+<p:sld xmlns:a="http://schemas.openxmlformats.org/drawingml/2006/main" xmlns:r="http://schemas.openxmlformats.org/officeDocument/2006/relationships" xmlns:p="http://schemas.openxmlformats.org/presentationml/2006/main">
+  <p:cSld>
+    <p:spTree>
+      <p:nvGrpSpPr>
+        <p:cNvPr id="1" name=""/>
+        <p:cNvGrpSpPr/>
+        <p:nvPr/>
+      </p:nvGrpSpPr>
+      <p:grpSpPr>
+        <a:xfrm>
+          <a:off x="0" y="0"/>
+          <a:ext cx="0" cy="0"/>
+          <a:chOff x="0" y="0"/>
+          <a:chExt cx="0" cy="0"/>
+        </a:xfrm>
+      </p:grpSpPr>
+      <p:cxnSp>
+        <p:nvCxnSpPr>
+          <p:cNvPr id="15" name="Straight Connector 14">
+            <a:extLst>
+              <a:ext uri="{FF2B5EF4-FFF2-40B4-BE49-F238E27FC236}">
+                <a16:creationId xmlns:a16="http://schemas.microsoft.com/office/drawing/2014/main" id="{0C7EA15D-9A12-6545-8953-5ECBDC0F305A}"/>
+              </a:ext>
+            </a:extLst>
+          </p:cNvPr>
+          <p:cNvCxnSpPr>
+            <a:cxnSpLocks/>
+          </p:cNvCxnSpPr>
+          <p:nvPr/>
+        </p:nvCxnSpPr>
+        <p:spPr>
+          <a:xfrm>
+            <a:off x="1458410" y="2971430"/>
+            <a:ext cx="6273479" cy="0"/>
+          </a:xfrm>
+          <a:prstGeom prst="line">
+            <a:avLst/>
+          </a:prstGeom>
+          <a:ln w="19050">
+            <a:solidFill>
+              <a:schemeClr val="tx1"/>
+            </a:solidFill>
+          </a:ln>
+        </p:spPr>
+        <p:style>
+          <a:lnRef idx="1">
+            <a:schemeClr val="accent1"/>
+          </a:lnRef>
+          <a:fillRef idx="0">
+            <a:schemeClr val="accent1"/>
+          </a:fillRef>
+          <a:effectRef idx="0">
+            <a:schemeClr val="accent1"/>
+          </a:effectRef>
+          <a:fontRef idx="minor">
+            <a:schemeClr val="tx1"/>
+          </a:fontRef>
+        </p:style>
+      </p:cxnSp>
+      <p:sp>
+        <p:nvSpPr>
+          <p:cNvPr id="4" name="Rectangle 3">
+            <a:extLst>
+              <a:ext uri="{FF2B5EF4-FFF2-40B4-BE49-F238E27FC236}">
+                <a16:creationId xmlns:a16="http://schemas.microsoft.com/office/drawing/2014/main" id="{69BC92AD-0366-AA48-8591-5A719C7DE1C3}"/>
+              </a:ext>
+            </a:extLst>
+          </p:cNvPr>
+          <p:cNvSpPr/>
+          <p:nvPr/>
+        </p:nvSpPr>
+        <p:spPr>
+          <a:xfrm>
+            <a:off x="1670677" y="2786764"/>
+            <a:ext cx="365760" cy="369332"/>
+          </a:xfrm>
+          <a:prstGeom prst="rect">
+            <a:avLst/>
+          </a:prstGeom>
+          <a:solidFill>
+            <a:srgbClr val="FFC000"/>
+          </a:solidFill>
+          <a:ln>
+            <a:noFill/>
+          </a:ln>
+        </p:spPr>
+        <p:style>
+          <a:lnRef idx="2">
+            <a:schemeClr val="accent1">
+              <a:shade val="50000"/>
+            </a:schemeClr>
+          </a:lnRef>
+          <a:fillRef idx="1">
+            <a:schemeClr val="accent1"/>
+          </a:fillRef>
+          <a:effectRef idx="0">
+            <a:schemeClr val="accent1"/>
+          </a:effectRef>
+          <a:fontRef idx="minor">
+            <a:schemeClr val="lt1"/>
+          </a:fontRef>
+        </p:style>
+        <p:txBody>
+          <a:bodyPr rtlCol="0" anchor="ctr"/>
+          <a:lstStyle/>
+          <a:p>
+            <a:pPr algn="ctr"/>
+            <a:r>
+              <a:rPr lang="en-US" sz="1000" dirty="0"/>
+              <a:t>1</a:t>
+            </a:r>
+          </a:p>
+        </p:txBody>
+      </p:sp>
+      <p:sp>
+        <p:nvSpPr>
+          <p:cNvPr id="21" name="Rectangle 20">
+            <a:extLst>
+              <a:ext uri="{FF2B5EF4-FFF2-40B4-BE49-F238E27FC236}">
+                <a16:creationId xmlns:a16="http://schemas.microsoft.com/office/drawing/2014/main" id="{2F76E330-4305-8145-97AB-80D51277889C}"/>
+              </a:ext>
+            </a:extLst>
+          </p:cNvPr>
+          <p:cNvSpPr/>
+          <p:nvPr/>
+        </p:nvSpPr>
+        <p:spPr>
+          <a:xfrm>
+            <a:off x="2159150" y="2786763"/>
+            <a:ext cx="182880" cy="369332"/>
+          </a:xfrm>
+          <a:prstGeom prst="rect">
+            <a:avLst/>
+          </a:prstGeom>
+          <a:solidFill>
+            <a:srgbClr val="FFC000"/>
+          </a:solidFill>
+          <a:ln>
+            <a:noFill/>
+          </a:ln>
+        </p:spPr>
+        <p:style>
+          <a:lnRef idx="2">
+            <a:schemeClr val="accent1">
+              <a:shade val="50000"/>
+            </a:schemeClr>
+          </a:lnRef>
+          <a:fillRef idx="1">
+            <a:schemeClr val="accent1"/>
+          </a:fillRef>
+          <a:effectRef idx="0">
+            <a:schemeClr val="accent1"/>
+          </a:effectRef>
+          <a:fontRef idx="minor">
+            <a:schemeClr val="lt1"/>
+          </a:fontRef>
+        </p:style>
+        <p:txBody>
+          <a:bodyPr rtlCol="0" anchor="ctr"/>
+          <a:lstStyle/>
+          <a:p>
+            <a:pPr algn="ctr"/>
+            <a:r>
+              <a:rPr lang="en-US" sz="1000" dirty="0"/>
+              <a:t>2</a:t>
+            </a:r>
+          </a:p>
+        </p:txBody>
+      </p:sp>
+      <p:sp>
+        <p:nvSpPr>
+          <p:cNvPr id="22" name="Rectangle 21">
+            <a:extLst>
+              <a:ext uri="{FF2B5EF4-FFF2-40B4-BE49-F238E27FC236}">
+                <a16:creationId xmlns:a16="http://schemas.microsoft.com/office/drawing/2014/main" id="{085B03AB-B8BD-7C47-88BD-F36DB281D58A}"/>
+              </a:ext>
+            </a:extLst>
+          </p:cNvPr>
+          <p:cNvSpPr/>
+          <p:nvPr/>
+        </p:nvSpPr>
+        <p:spPr>
+          <a:xfrm>
+            <a:off x="2341015" y="2786763"/>
+            <a:ext cx="182880" cy="369332"/>
+          </a:xfrm>
+          <a:prstGeom prst="rect">
+            <a:avLst/>
+          </a:prstGeom>
+          <a:solidFill>
+            <a:schemeClr val="accent6"/>
+          </a:solidFill>
+          <a:ln>
+            <a:noFill/>
+          </a:ln>
+        </p:spPr>
+        <p:style>
+          <a:lnRef idx="2">
+            <a:schemeClr val="accent1">
+              <a:shade val="50000"/>
+            </a:schemeClr>
+          </a:lnRef>
+          <a:fillRef idx="1">
+            <a:schemeClr val="accent1"/>
+          </a:fillRef>
+          <a:effectRef idx="0">
+            <a:schemeClr val="accent1"/>
+          </a:effectRef>
+          <a:fontRef idx="minor">
+            <a:schemeClr val="lt1"/>
+          </a:fontRef>
+        </p:style>
+        <p:txBody>
+          <a:bodyPr rtlCol="0" anchor="ctr"/>
+          <a:lstStyle/>
+          <a:p>
+            <a:pPr algn="ctr"/>
+            <a:endParaRPr lang="en-US" sz="1000" dirty="0"/>
+          </a:p>
+        </p:txBody>
+      </p:sp>
+      <p:sp>
+        <p:nvSpPr>
+          <p:cNvPr id="23" name="Rectangle 22">
+            <a:extLst>
+              <a:ext uri="{FF2B5EF4-FFF2-40B4-BE49-F238E27FC236}">
+                <a16:creationId xmlns:a16="http://schemas.microsoft.com/office/drawing/2014/main" id="{B4ABE409-8D58-A947-B6EC-AFE38172F792}"/>
+              </a:ext>
+            </a:extLst>
+          </p:cNvPr>
+          <p:cNvSpPr/>
+          <p:nvPr/>
+        </p:nvSpPr>
+        <p:spPr>
+          <a:xfrm>
+            <a:off x="2628242" y="2786763"/>
+            <a:ext cx="365760" cy="369332"/>
+          </a:xfrm>
+          <a:prstGeom prst="rect">
+            <a:avLst/>
+          </a:prstGeom>
+          <a:solidFill>
+            <a:schemeClr val="accent6"/>
+          </a:solidFill>
+          <a:ln>
+            <a:noFill/>
+          </a:ln>
+        </p:spPr>
+        <p:style>
+          <a:lnRef idx="2">
+            <a:schemeClr val="accent1">
+              <a:shade val="50000"/>
+            </a:schemeClr>
+          </a:lnRef>
+          <a:fillRef idx="1">
+            <a:schemeClr val="accent1"/>
+          </a:fillRef>
+          <a:effectRef idx="0">
+            <a:schemeClr val="accent1"/>
+          </a:effectRef>
+          <a:fontRef idx="minor">
+            <a:schemeClr val="lt1"/>
+          </a:fontRef>
+        </p:style>
+        <p:txBody>
+          <a:bodyPr rtlCol="0" anchor="ctr"/>
+          <a:lstStyle/>
+          <a:p>
+            <a:pPr algn="ctr"/>
+            <a:r>
+              <a:rPr lang="en-US" sz="1000" dirty="0"/>
+              <a:t>3</a:t>
+            </a:r>
+          </a:p>
+        </p:txBody>
+      </p:sp>
+      <p:sp>
+        <p:nvSpPr>
+          <p:cNvPr id="24" name="Rectangle 23">
+            <a:extLst>
+              <a:ext uri="{FF2B5EF4-FFF2-40B4-BE49-F238E27FC236}">
+                <a16:creationId xmlns:a16="http://schemas.microsoft.com/office/drawing/2014/main" id="{C2668B34-03ED-9B41-A5D8-4CCC0164517F}"/>
+              </a:ext>
+            </a:extLst>
+          </p:cNvPr>
+          <p:cNvSpPr/>
+          <p:nvPr/>
+        </p:nvSpPr>
+        <p:spPr>
+          <a:xfrm>
+            <a:off x="3120483" y="2786763"/>
+            <a:ext cx="365760" cy="369332"/>
+          </a:xfrm>
+          <a:prstGeom prst="rect">
+            <a:avLst/>
+          </a:prstGeom>
+          <a:solidFill>
+            <a:schemeClr val="accent6"/>
+          </a:solidFill>
+          <a:ln>
+            <a:noFill/>
+          </a:ln>
+        </p:spPr>
+        <p:style>
+          <a:lnRef idx="2">
+            <a:schemeClr val="accent1">
+              <a:shade val="50000"/>
+            </a:schemeClr>
+          </a:lnRef>
+          <a:fillRef idx="1">
+            <a:schemeClr val="accent1"/>
+          </a:fillRef>
+          <a:effectRef idx="0">
+            <a:schemeClr val="accent1"/>
+          </a:effectRef>
+          <a:fontRef idx="minor">
+            <a:schemeClr val="lt1"/>
+          </a:fontRef>
+        </p:style>
+        <p:txBody>
+          <a:bodyPr rtlCol="0" anchor="ctr"/>
+          <a:lstStyle/>
+          <a:p>
+            <a:pPr algn="ctr"/>
+            <a:r>
+              <a:rPr lang="en-US" sz="1000" dirty="0"/>
+              <a:t>4</a:t>
+            </a:r>
+          </a:p>
+        </p:txBody>
+      </p:sp>
+      <p:sp>
+        <p:nvSpPr>
+          <p:cNvPr id="25" name="Rectangle 24">
+            <a:extLst>
+              <a:ext uri="{FF2B5EF4-FFF2-40B4-BE49-F238E27FC236}">
+                <a16:creationId xmlns:a16="http://schemas.microsoft.com/office/drawing/2014/main" id="{3AC7D18F-E002-8947-92A5-6B7CA46093A6}"/>
+              </a:ext>
+            </a:extLst>
+          </p:cNvPr>
+          <p:cNvSpPr/>
+          <p:nvPr/>
+        </p:nvSpPr>
+        <p:spPr>
+          <a:xfrm>
+            <a:off x="3593841" y="2786764"/>
+            <a:ext cx="365760" cy="369332"/>
+          </a:xfrm>
+          <a:prstGeom prst="rect">
+            <a:avLst/>
+          </a:prstGeom>
+          <a:solidFill>
+            <a:schemeClr val="accent6"/>
+          </a:solidFill>
+          <a:ln>
+            <a:noFill/>
+          </a:ln>
+        </p:spPr>
+        <p:style>
+          <a:lnRef idx="2">
+            <a:schemeClr val="accent1">
+              <a:shade val="50000"/>
+            </a:schemeClr>
+          </a:lnRef>
+          <a:fillRef idx="1">
+            <a:schemeClr val="accent1"/>
+          </a:fillRef>
+          <a:effectRef idx="0">
+            <a:schemeClr val="accent1"/>
+          </a:effectRef>
+          <a:fontRef idx="minor">
+            <a:schemeClr val="lt1"/>
+          </a:fontRef>
+        </p:style>
+        <p:txBody>
+          <a:bodyPr rtlCol="0" anchor="ctr"/>
+          <a:lstStyle/>
+          <a:p>
+            <a:pPr algn="ctr"/>
+            <a:r>
+              <a:rPr lang="en-US" sz="1000" dirty="0"/>
+              <a:t>5</a:t>
+            </a:r>
+          </a:p>
+        </p:txBody>
+      </p:sp>
+      <p:sp>
+        <p:nvSpPr>
+          <p:cNvPr id="26" name="Rectangle 25">
+            <a:extLst>
+              <a:ext uri="{FF2B5EF4-FFF2-40B4-BE49-F238E27FC236}">
+                <a16:creationId xmlns:a16="http://schemas.microsoft.com/office/drawing/2014/main" id="{18EE7EAC-8717-644D-A838-316C2E389F77}"/>
+              </a:ext>
+            </a:extLst>
+          </p:cNvPr>
+          <p:cNvSpPr/>
+          <p:nvPr/>
+        </p:nvSpPr>
+        <p:spPr>
+          <a:xfrm>
+            <a:off x="4086082" y="2786764"/>
+            <a:ext cx="365760" cy="369332"/>
+          </a:xfrm>
+          <a:prstGeom prst="rect">
+            <a:avLst/>
+          </a:prstGeom>
+          <a:solidFill>
+            <a:schemeClr val="accent6"/>
+          </a:solidFill>
+          <a:ln>
+            <a:noFill/>
+          </a:ln>
+        </p:spPr>
+        <p:style>
+          <a:lnRef idx="2">
+            <a:schemeClr val="accent1">
+              <a:shade val="50000"/>
+            </a:schemeClr>
+          </a:lnRef>
+          <a:fillRef idx="1">
+            <a:schemeClr val="accent1"/>
+          </a:fillRef>
+          <a:effectRef idx="0">
+            <a:schemeClr val="accent1"/>
+          </a:effectRef>
+          <a:fontRef idx="minor">
+            <a:schemeClr val="lt1"/>
+          </a:fontRef>
+        </p:style>
+        <p:txBody>
+          <a:bodyPr rtlCol="0" anchor="ctr"/>
+          <a:lstStyle/>
+          <a:p>
+            <a:pPr algn="ctr"/>
+            <a:r>
+              <a:rPr lang="en-US" sz="1000" dirty="0"/>
+              <a:t>6</a:t>
+            </a:r>
+          </a:p>
+        </p:txBody>
+      </p:sp>
+      <p:sp>
+        <p:nvSpPr>
+          <p:cNvPr id="27" name="Rectangle 26">
+            <a:extLst>
+              <a:ext uri="{FF2B5EF4-FFF2-40B4-BE49-F238E27FC236}">
+                <a16:creationId xmlns:a16="http://schemas.microsoft.com/office/drawing/2014/main" id="{80A9D75F-B7A2-BF4F-AB6B-27ED3B50703E}"/>
+              </a:ext>
+            </a:extLst>
+          </p:cNvPr>
+          <p:cNvSpPr/>
+          <p:nvPr/>
+        </p:nvSpPr>
+        <p:spPr>
+          <a:xfrm>
+            <a:off x="4549496" y="2786762"/>
+            <a:ext cx="365760" cy="369332"/>
+          </a:xfrm>
+          <a:prstGeom prst="rect">
+            <a:avLst/>
+          </a:prstGeom>
+          <a:solidFill>
+            <a:schemeClr val="accent6"/>
+          </a:solidFill>
+          <a:ln>
+            <a:noFill/>
+          </a:ln>
+        </p:spPr>
+        <p:style>
+          <a:lnRef idx="2">
+            <a:schemeClr val="accent1">
+              <a:shade val="50000"/>
+            </a:schemeClr>
+          </a:lnRef>
+          <a:fillRef idx="1">
+            <a:schemeClr val="accent1"/>
+          </a:fillRef>
+          <a:effectRef idx="0">
+            <a:schemeClr val="accent1"/>
+          </a:effectRef>
+          <a:fontRef idx="minor">
+            <a:schemeClr val="lt1"/>
+          </a:fontRef>
+        </p:style>
+        <p:txBody>
+          <a:bodyPr rtlCol="0" anchor="ctr"/>
+          <a:lstStyle/>
+          <a:p>
+            <a:pPr algn="ctr"/>
+            <a:r>
+              <a:rPr lang="en-US" sz="1000" dirty="0"/>
+              <a:t>7</a:t>
+            </a:r>
+          </a:p>
+        </p:txBody>
+      </p:sp>
+      <p:sp>
+        <p:nvSpPr>
+          <p:cNvPr id="28" name="Rectangle 27">
+            <a:extLst>
+              <a:ext uri="{FF2B5EF4-FFF2-40B4-BE49-F238E27FC236}">
+                <a16:creationId xmlns:a16="http://schemas.microsoft.com/office/drawing/2014/main" id="{40B3F4D5-309D-7B45-A1D5-523DD6FF29F9}"/>
+              </a:ext>
+            </a:extLst>
+          </p:cNvPr>
+          <p:cNvSpPr/>
+          <p:nvPr/>
+        </p:nvSpPr>
+        <p:spPr>
+          <a:xfrm>
+            <a:off x="5022854" y="2786763"/>
+            <a:ext cx="365760" cy="369332"/>
+          </a:xfrm>
+          <a:prstGeom prst="rect">
+            <a:avLst/>
+          </a:prstGeom>
+          <a:solidFill>
+            <a:schemeClr val="accent6"/>
+          </a:solidFill>
+          <a:ln>
+            <a:noFill/>
+          </a:ln>
+        </p:spPr>
+        <p:style>
+          <a:lnRef idx="2">
+            <a:schemeClr val="accent1">
+              <a:shade val="50000"/>
+            </a:schemeClr>
+          </a:lnRef>
+          <a:fillRef idx="1">
+            <a:schemeClr val="accent1"/>
+          </a:fillRef>
+          <a:effectRef idx="0">
+            <a:schemeClr val="accent1"/>
+          </a:effectRef>
+          <a:fontRef idx="minor">
+            <a:schemeClr val="lt1"/>
+          </a:fontRef>
+        </p:style>
+        <p:txBody>
+          <a:bodyPr rtlCol="0" anchor="ctr"/>
+          <a:lstStyle/>
+          <a:p>
+            <a:pPr algn="ctr"/>
+            <a:r>
+              <a:rPr lang="en-US" sz="1000" dirty="0"/>
+              <a:t>8</a:t>
+            </a:r>
+          </a:p>
+        </p:txBody>
+      </p:sp>
+      <p:sp>
+        <p:nvSpPr>
+          <p:cNvPr id="30" name="Rectangle 29">
+            <a:extLst>
+              <a:ext uri="{FF2B5EF4-FFF2-40B4-BE49-F238E27FC236}">
+                <a16:creationId xmlns:a16="http://schemas.microsoft.com/office/drawing/2014/main" id="{E799260F-CC7D-BB4F-9C01-9DA12F73A1EB}"/>
+              </a:ext>
+            </a:extLst>
+          </p:cNvPr>
+          <p:cNvSpPr/>
+          <p:nvPr/>
+        </p:nvSpPr>
+        <p:spPr>
+          <a:xfrm>
+            <a:off x="5505042" y="2786764"/>
+            <a:ext cx="182880" cy="369332"/>
+          </a:xfrm>
+          <a:prstGeom prst="rect">
+            <a:avLst/>
+          </a:prstGeom>
+          <a:solidFill>
+            <a:srgbClr val="FFC000"/>
+          </a:solidFill>
+          <a:ln>
+            <a:noFill/>
+          </a:ln>
+        </p:spPr>
+        <p:style>
+          <a:lnRef idx="2">
+            <a:schemeClr val="accent1">
+              <a:shade val="50000"/>
+            </a:schemeClr>
+          </a:lnRef>
+          <a:fillRef idx="1">
+            <a:schemeClr val="accent1"/>
+          </a:fillRef>
+          <a:effectRef idx="0">
+            <a:schemeClr val="accent1"/>
+          </a:effectRef>
+          <a:fontRef idx="minor">
+            <a:schemeClr val="lt1"/>
+          </a:fontRef>
+        </p:style>
+        <p:txBody>
+          <a:bodyPr rtlCol="0" anchor="ctr"/>
+          <a:lstStyle/>
+          <a:p>
+            <a:pPr algn="ctr"/>
+            <a:r>
+              <a:rPr lang="en-US" sz="1000" dirty="0"/>
+              <a:t>9</a:t>
+            </a:r>
+          </a:p>
+        </p:txBody>
+      </p:sp>
+      <p:sp>
+        <p:nvSpPr>
+          <p:cNvPr id="31" name="Rectangle 30">
+            <a:extLst>
+              <a:ext uri="{FF2B5EF4-FFF2-40B4-BE49-F238E27FC236}">
+                <a16:creationId xmlns:a16="http://schemas.microsoft.com/office/drawing/2014/main" id="{308A9B01-31B0-6348-8C78-46DB62F682D1}"/>
+              </a:ext>
+            </a:extLst>
+          </p:cNvPr>
+          <p:cNvSpPr/>
+          <p:nvPr/>
+        </p:nvSpPr>
+        <p:spPr>
+          <a:xfrm>
+            <a:off x="5687922" y="2786764"/>
+            <a:ext cx="182880" cy="369332"/>
+          </a:xfrm>
+          <a:prstGeom prst="rect">
+            <a:avLst/>
+          </a:prstGeom>
+          <a:solidFill>
+            <a:schemeClr val="accent6"/>
+          </a:solidFill>
+          <a:ln>
+            <a:noFill/>
+          </a:ln>
+        </p:spPr>
+        <p:style>
+          <a:lnRef idx="2">
+            <a:schemeClr val="accent1">
+              <a:shade val="50000"/>
+            </a:schemeClr>
+          </a:lnRef>
+          <a:fillRef idx="1">
+            <a:schemeClr val="accent1"/>
+          </a:fillRef>
+          <a:effectRef idx="0">
+            <a:schemeClr val="accent1"/>
+          </a:effectRef>
+          <a:fontRef idx="minor">
+            <a:schemeClr val="lt1"/>
+          </a:fontRef>
+        </p:style>
+        <p:txBody>
+          <a:bodyPr rtlCol="0" anchor="ctr"/>
+          <a:lstStyle/>
+          <a:p>
+            <a:pPr algn="ctr"/>
+            <a:endParaRPr lang="en-US" sz="1000" dirty="0"/>
+          </a:p>
+        </p:txBody>
+      </p:sp>
+      <p:cxnSp>
+        <p:nvCxnSpPr>
+          <p:cNvPr id="32" name="Straight Connector 31">
+            <a:extLst>
+              <a:ext uri="{FF2B5EF4-FFF2-40B4-BE49-F238E27FC236}">
+                <a16:creationId xmlns:a16="http://schemas.microsoft.com/office/drawing/2014/main" id="{45F0F8D3-8333-D341-AED8-1B519A96DD3E}"/>
+              </a:ext>
+            </a:extLst>
+          </p:cNvPr>
+          <p:cNvCxnSpPr>
+            <a:cxnSpLocks/>
+          </p:cNvCxnSpPr>
+          <p:nvPr/>
+        </p:nvCxnSpPr>
+        <p:spPr>
+          <a:xfrm>
+            <a:off x="1670677" y="2693178"/>
+            <a:ext cx="365760" cy="0"/>
+          </a:xfrm>
+          <a:prstGeom prst="line">
+            <a:avLst/>
+          </a:prstGeom>
+          <a:ln w="9525">
+            <a:solidFill>
+              <a:schemeClr val="tx1"/>
+            </a:solidFill>
+          </a:ln>
+        </p:spPr>
+        <p:style>
+          <a:lnRef idx="1">
+            <a:schemeClr val="accent1"/>
+          </a:lnRef>
+          <a:fillRef idx="0">
+            <a:schemeClr val="accent1"/>
+          </a:fillRef>
+          <a:effectRef idx="0">
+            <a:schemeClr val="accent1"/>
+          </a:effectRef>
+          <a:fontRef idx="minor">
+            <a:schemeClr val="tx1"/>
+          </a:fontRef>
+        </p:style>
+      </p:cxnSp>
+      <p:sp>
+        <p:nvSpPr>
+          <p:cNvPr id="33" name="TextBox 32">
+            <a:extLst>
+              <a:ext uri="{FF2B5EF4-FFF2-40B4-BE49-F238E27FC236}">
+                <a16:creationId xmlns:a16="http://schemas.microsoft.com/office/drawing/2014/main" id="{7B6BD4BC-9560-A843-AAC5-0454CAC63930}"/>
+              </a:ext>
+            </a:extLst>
+          </p:cNvPr>
+          <p:cNvSpPr txBox="1"/>
+          <p:nvPr/>
+        </p:nvSpPr>
+        <p:spPr>
+          <a:xfrm>
+            <a:off x="1623485" y="2477730"/>
+            <a:ext cx="470000" cy="215444"/>
+          </a:xfrm>
+          <a:prstGeom prst="rect">
+            <a:avLst/>
+          </a:prstGeom>
+          <a:noFill/>
+        </p:spPr>
+        <p:txBody>
+          <a:bodyPr wrap="none" rtlCol="0">
+            <a:spAutoFit/>
+          </a:bodyPr>
+          <a:lstStyle/>
+          <a:p>
+            <a:r>
+              <a:rPr lang="en-US" sz="800" dirty="0"/>
+              <a:t>100 bp</a:t>
+            </a:r>
+          </a:p>
+        </p:txBody>
+      </p:sp>
+      <p:sp>
+        <p:nvSpPr>
+          <p:cNvPr id="35" name="TextBox 34">
+            <a:extLst>
+              <a:ext uri="{FF2B5EF4-FFF2-40B4-BE49-F238E27FC236}">
+                <a16:creationId xmlns:a16="http://schemas.microsoft.com/office/drawing/2014/main" id="{D3869E30-6CF6-514C-A699-0E4A2448FF52}"/>
+              </a:ext>
+            </a:extLst>
+          </p:cNvPr>
+          <p:cNvSpPr txBox="1"/>
+          <p:nvPr/>
+        </p:nvSpPr>
+        <p:spPr>
+          <a:xfrm>
+            <a:off x="2341015" y="1008790"/>
+            <a:ext cx="1171475" cy="369332"/>
+          </a:xfrm>
+          <a:prstGeom prst="rect">
+            <a:avLst/>
+          </a:prstGeom>
+          <a:noFill/>
+        </p:spPr>
+        <p:txBody>
+          <a:bodyPr wrap="none" rtlCol="0">
+            <a:spAutoFit/>
+          </a:bodyPr>
+          <a:lstStyle/>
+          <a:p>
+            <a:r>
+              <a:rPr lang="en-US" dirty="0"/>
+              <a:t>TestGene1</a:t>
+            </a:r>
+          </a:p>
+        </p:txBody>
+      </p:sp>
+    </p:spTree>
+    <p:extLst>
+      <p:ext uri="{BB962C8B-B14F-4D97-AF65-F5344CB8AC3E}">
+        <p14:creationId xmlns:p14="http://schemas.microsoft.com/office/powerpoint/2010/main" val="3507804844"/>
       </p:ext>
     </p:extLst>
   </p:cSld>
